--- a/Slide/Project.pptx
+++ b/Slide/Project.pptx
@@ -219,7 +219,7 @@
           <a:p>
             <a:fld id="{5627325D-7C6B-4659-A656-A772019985A7}" type="datetimeFigureOut">
               <a:rPr lang="en-US" smtClean="0"/>
-              <a:t>4/14/2017</a:t>
+              <a:t>4/21/2017</a:t>
             </a:fld>
             <a:endParaRPr lang="en-US" dirty="0"/>
           </a:p>
@@ -384,7 +384,7 @@
           <a:p>
             <a:fld id="{D75FD80F-0FDC-4A05-9EF1-C028EC4EDC0A}" type="datetimeFigureOut">
               <a:rPr lang="en-US" smtClean="0"/>
-              <a:t>4/14/2017</a:t>
+              <a:t>4/21/2017</a:t>
             </a:fld>
             <a:endParaRPr lang="en-US" dirty="0"/>
           </a:p>
@@ -785,7 +785,7 @@
           <a:p>
             <a:fld id="{349BF3EA-1A78-4F07-BDC0-C8A1BD461199}" type="datetimeFigureOut">
               <a:rPr lang="en-US" smtClean="0"/>
-              <a:t>4/14/2017</a:t>
+              <a:t>4/21/2017</a:t>
             </a:fld>
             <a:endParaRPr lang="en-US" dirty="0"/>
           </a:p>
@@ -1059,7 +1059,7 @@
           <a:p>
             <a:fld id="{349BF3EA-1A78-4F07-BDC0-C8A1BD461199}" type="datetimeFigureOut">
               <a:rPr lang="en-US" smtClean="0"/>
-              <a:t>4/14/2017</a:t>
+              <a:t>4/21/2017</a:t>
             </a:fld>
             <a:endParaRPr lang="en-US" dirty="0"/>
           </a:p>
@@ -1331,7 +1331,7 @@
           <a:p>
             <a:fld id="{349BF3EA-1A78-4F07-BDC0-C8A1BD461199}" type="datetimeFigureOut">
               <a:rPr lang="en-US" smtClean="0"/>
-              <a:t>4/14/2017</a:t>
+              <a:t>4/21/2017</a:t>
             </a:fld>
             <a:endParaRPr lang="en-US" dirty="0"/>
           </a:p>
@@ -1531,7 +1531,7 @@
           <a:p>
             <a:fld id="{349BF3EA-1A78-4F07-BDC0-C8A1BD461199}" type="datetimeFigureOut">
               <a:rPr lang="en-US" smtClean="0"/>
-              <a:t>4/14/2017</a:t>
+              <a:t>4/21/2017</a:t>
             </a:fld>
             <a:endParaRPr lang="en-US" dirty="0"/>
           </a:p>
@@ -1816,7 +1816,7 @@
           <a:p>
             <a:fld id="{349BF3EA-1A78-4F07-BDC0-C8A1BD461199}" type="datetimeFigureOut">
               <a:rPr lang="en-US" smtClean="0"/>
-              <a:t>4/14/2017</a:t>
+              <a:t>4/21/2017</a:t>
             </a:fld>
             <a:endParaRPr lang="en-US" dirty="0"/>
           </a:p>
@@ -2088,7 +2088,7 @@
           <a:p>
             <a:fld id="{349BF3EA-1A78-4F07-BDC0-C8A1BD461199}" type="datetimeFigureOut">
               <a:rPr lang="en-US" smtClean="0"/>
-              <a:t>4/14/2017</a:t>
+              <a:t>4/21/2017</a:t>
             </a:fld>
             <a:endParaRPr lang="en-US" dirty="0"/>
           </a:p>
@@ -2387,7 +2387,7 @@
           <a:p>
             <a:fld id="{349BF3EA-1A78-4F07-BDC0-C8A1BD461199}" type="datetimeFigureOut">
               <a:rPr lang="en-US" smtClean="0"/>
-              <a:t>4/14/2017</a:t>
+              <a:t>4/21/2017</a:t>
             </a:fld>
             <a:endParaRPr lang="en-US" dirty="0"/>
           </a:p>
@@ -2824,7 +2824,7 @@
           <a:p>
             <a:fld id="{349BF3EA-1A78-4F07-BDC0-C8A1BD461199}" type="datetimeFigureOut">
               <a:rPr lang="en-US" smtClean="0"/>
-              <a:t>4/14/2017</a:t>
+              <a:t>4/21/2017</a:t>
             </a:fld>
             <a:endParaRPr lang="en-US" dirty="0"/>
           </a:p>
@@ -2999,7 +2999,7 @@
           <a:p>
             <a:fld id="{349BF3EA-1A78-4F07-BDC0-C8A1BD461199}" type="datetimeFigureOut">
               <a:rPr lang="en-US" smtClean="0"/>
-              <a:t>4/14/2017</a:t>
+              <a:t>4/21/2017</a:t>
             </a:fld>
             <a:endParaRPr lang="en-US" dirty="0"/>
           </a:p>
@@ -3246,7 +3246,7 @@
           <a:p>
             <a:fld id="{349BF3EA-1A78-4F07-BDC0-C8A1BD461199}" type="datetimeFigureOut">
               <a:rPr lang="en-US" smtClean="0"/>
-              <a:t>4/14/2017</a:t>
+              <a:t>4/21/2017</a:t>
             </a:fld>
             <a:endParaRPr lang="en-US" dirty="0"/>
           </a:p>
@@ -3644,7 +3644,7 @@
           <a:p>
             <a:fld id="{349BF3EA-1A78-4F07-BDC0-C8A1BD461199}" type="datetimeFigureOut">
               <a:rPr lang="en-US" smtClean="0"/>
-              <a:t>4/14/2017</a:t>
+              <a:t>4/21/2017</a:t>
             </a:fld>
             <a:endParaRPr lang="en-US" dirty="0"/>
           </a:p>
@@ -4034,7 +4034,7 @@
           <a:p>
             <a:fld id="{349BF3EA-1A78-4F07-BDC0-C8A1BD461199}" type="datetimeFigureOut">
               <a:rPr lang="en-US" smtClean="0"/>
-              <a:t>4/14/2017</a:t>
+              <a:t>4/21/2017</a:t>
             </a:fld>
             <a:endParaRPr lang="en-US" dirty="0"/>
           </a:p>
@@ -4569,7 +4569,7 @@
           <a:lstStyle/>
           <a:p>
             <a:r>
-              <a:rPr lang="en-US" sz="1850" dirty="0">
+              <a:rPr lang="en-US" sz="1850" u="sng" dirty="0">
                 <a:latin typeface="Times New Roman" panose="02020603050405020304" pitchFamily="18" charset="0"/>
                 <a:cs typeface="Times New Roman" panose="02020603050405020304" pitchFamily="18" charset="0"/>
               </a:rPr>
@@ -4664,6 +4664,14 @@
               </a:rPr>
               <a:t>voice chat</a:t>
             </a:r>
+            <a:br>
+              <a:rPr lang="en-US" dirty="0">
+                <a:latin typeface="Air Millhouse  Italic" panose="02000000000000000000" pitchFamily="2" charset="0"/>
+              </a:rPr>
+            </a:br>
+            <a:endParaRPr lang="en-US" dirty="0">
+              <a:latin typeface="Air Millhouse  Italic" panose="02000000000000000000" pitchFamily="2" charset="0"/>
+            </a:endParaRPr>
           </a:p>
         </p:txBody>
       </p:sp>
@@ -4754,7 +4762,7 @@
             </a:r>
             <a:r>
               <a:rPr lang="en-US" dirty="0"/>
-              <a:t> audio:</a:t>
+              <a:t> audio ở client:</a:t>
             </a:r>
           </a:p>
           <a:p>
@@ -4996,7 +5004,7 @@
             </a:r>
             <a:r>
               <a:rPr lang="en-US" dirty="0" err="1"/>
-              <a:t>theo</a:t>
+              <a:t>giữa</a:t>
             </a:r>
             <a:r>
               <a:rPr lang="en-US" dirty="0"/>
@@ -5004,30 +5012,6 @@
             </a:r>
             <a:r>
               <a:rPr lang="en-US" dirty="0" err="1"/>
-              <a:t>giao</a:t>
-            </a:r>
-            <a:r>
-              <a:rPr lang="en-US" dirty="0"/>
-              <a:t> </a:t>
-            </a:r>
-            <a:r>
-              <a:rPr lang="en-US" dirty="0" err="1"/>
-              <a:t>thức</a:t>
-            </a:r>
-            <a:r>
-              <a:rPr lang="en-US" dirty="0"/>
-              <a:t> TCP </a:t>
-            </a:r>
-            <a:r>
-              <a:rPr lang="en-US" dirty="0" err="1"/>
-              <a:t>giữa</a:t>
-            </a:r>
-            <a:r>
-              <a:rPr lang="en-US" dirty="0"/>
-              <a:t> </a:t>
-            </a:r>
-            <a:r>
-              <a:rPr lang="en-US" dirty="0" err="1"/>
               <a:t>các</a:t>
             </a:r>
             <a:r>
@@ -5044,7 +5028,14 @@
             </a:r>
           </a:p>
           <a:p>
-            <a:endParaRPr lang="en-US" dirty="0"/>
+            <a:r>
+              <a:rPr lang="en-US" dirty="0" err="1"/>
+              <a:t>Tạo</a:t>
+            </a:r>
+            <a:r>
+              <a:rPr lang="en-US" dirty="0"/>
+              <a:t> 1 multithread server</a:t>
+            </a:r>
           </a:p>
         </p:txBody>
       </p:sp>
@@ -5125,6 +5116,323 @@
       </p:transition>
     </mc:Fallback>
   </mc:AlternateContent>
+  <p:timing>
+    <p:tnLst>
+      <p:par>
+        <p:cTn id="1" dur="indefinite" restart="never" nodeType="tmRoot">
+          <p:childTnLst>
+            <p:seq concurrent="1" nextAc="seek">
+              <p:cTn id="2" dur="indefinite" nodeType="mainSeq">
+                <p:childTnLst>
+                  <p:par>
+                    <p:cTn id="3" fill="hold">
+                      <p:stCondLst>
+                        <p:cond delay="indefinite"/>
+                      </p:stCondLst>
+                      <p:childTnLst>
+                        <p:par>
+                          <p:cTn id="4" fill="hold">
+                            <p:stCondLst>
+                              <p:cond delay="0"/>
+                            </p:stCondLst>
+                            <p:childTnLst>
+                              <p:par>
+                                <p:cTn id="5" presetID="22" presetClass="entr" presetSubtype="8" fill="hold" nodeType="clickEffect">
+                                  <p:stCondLst>
+                                    <p:cond delay="0"/>
+                                  </p:stCondLst>
+                                  <p:childTnLst>
+                                    <p:set>
+                                      <p:cBhvr>
+                                        <p:cTn id="6" dur="1" fill="hold">
+                                          <p:stCondLst>
+                                            <p:cond delay="0"/>
+                                          </p:stCondLst>
+                                        </p:cTn>
+                                        <p:tgtEl>
+                                          <p:spTgt spid="4">
+                                            <p:txEl>
+                                              <p:pRg st="0" end="0"/>
+                                            </p:txEl>
+                                          </p:spTgt>
+                                        </p:tgtEl>
+                                        <p:attrNameLst>
+                                          <p:attrName>style.visibility</p:attrName>
+                                        </p:attrNameLst>
+                                      </p:cBhvr>
+                                      <p:to>
+                                        <p:strVal val="visible"/>
+                                      </p:to>
+                                    </p:set>
+                                    <p:animEffect transition="in" filter="wipe(left)">
+                                      <p:cBhvr>
+                                        <p:cTn id="7" dur="500"/>
+                                        <p:tgtEl>
+                                          <p:spTgt spid="4">
+                                            <p:txEl>
+                                              <p:pRg st="0" end="0"/>
+                                            </p:txEl>
+                                          </p:spTgt>
+                                        </p:tgtEl>
+                                      </p:cBhvr>
+                                    </p:animEffect>
+                                  </p:childTnLst>
+                                </p:cTn>
+                              </p:par>
+                            </p:childTnLst>
+                          </p:cTn>
+                        </p:par>
+                      </p:childTnLst>
+                    </p:cTn>
+                  </p:par>
+                  <p:par>
+                    <p:cTn id="8" fill="hold">
+                      <p:stCondLst>
+                        <p:cond delay="indefinite"/>
+                      </p:stCondLst>
+                      <p:childTnLst>
+                        <p:par>
+                          <p:cTn id="9" fill="hold">
+                            <p:stCondLst>
+                              <p:cond delay="0"/>
+                            </p:stCondLst>
+                            <p:childTnLst>
+                              <p:par>
+                                <p:cTn id="10" presetID="22" presetClass="entr" presetSubtype="8" fill="hold" nodeType="clickEffect">
+                                  <p:stCondLst>
+                                    <p:cond delay="0"/>
+                                  </p:stCondLst>
+                                  <p:childTnLst>
+                                    <p:set>
+                                      <p:cBhvr>
+                                        <p:cTn id="11" dur="1" fill="hold">
+                                          <p:stCondLst>
+                                            <p:cond delay="0"/>
+                                          </p:stCondLst>
+                                        </p:cTn>
+                                        <p:tgtEl>
+                                          <p:spTgt spid="4">
+                                            <p:txEl>
+                                              <p:pRg st="1" end="1"/>
+                                            </p:txEl>
+                                          </p:spTgt>
+                                        </p:tgtEl>
+                                        <p:attrNameLst>
+                                          <p:attrName>style.visibility</p:attrName>
+                                        </p:attrNameLst>
+                                      </p:cBhvr>
+                                      <p:to>
+                                        <p:strVal val="visible"/>
+                                      </p:to>
+                                    </p:set>
+                                    <p:animEffect transition="in" filter="wipe(left)">
+                                      <p:cBhvr>
+                                        <p:cTn id="12" dur="500"/>
+                                        <p:tgtEl>
+                                          <p:spTgt spid="4">
+                                            <p:txEl>
+                                              <p:pRg st="1" end="1"/>
+                                            </p:txEl>
+                                          </p:spTgt>
+                                        </p:tgtEl>
+                                      </p:cBhvr>
+                                    </p:animEffect>
+                                  </p:childTnLst>
+                                </p:cTn>
+                              </p:par>
+                              <p:par>
+                                <p:cTn id="13" presetID="22" presetClass="entr" presetSubtype="8" fill="hold" nodeType="withEffect">
+                                  <p:stCondLst>
+                                    <p:cond delay="0"/>
+                                  </p:stCondLst>
+                                  <p:childTnLst>
+                                    <p:set>
+                                      <p:cBhvr>
+                                        <p:cTn id="14" dur="1" fill="hold">
+                                          <p:stCondLst>
+                                            <p:cond delay="0"/>
+                                          </p:stCondLst>
+                                        </p:cTn>
+                                        <p:tgtEl>
+                                          <p:spTgt spid="4">
+                                            <p:txEl>
+                                              <p:pRg st="2" end="2"/>
+                                            </p:txEl>
+                                          </p:spTgt>
+                                        </p:tgtEl>
+                                        <p:attrNameLst>
+                                          <p:attrName>style.visibility</p:attrName>
+                                        </p:attrNameLst>
+                                      </p:cBhvr>
+                                      <p:to>
+                                        <p:strVal val="visible"/>
+                                      </p:to>
+                                    </p:set>
+                                    <p:animEffect transition="in" filter="wipe(left)">
+                                      <p:cBhvr>
+                                        <p:cTn id="15" dur="500"/>
+                                        <p:tgtEl>
+                                          <p:spTgt spid="4">
+                                            <p:txEl>
+                                              <p:pRg st="2" end="2"/>
+                                            </p:txEl>
+                                          </p:spTgt>
+                                        </p:tgtEl>
+                                      </p:cBhvr>
+                                    </p:animEffect>
+                                  </p:childTnLst>
+                                </p:cTn>
+                              </p:par>
+                            </p:childTnLst>
+                          </p:cTn>
+                        </p:par>
+                      </p:childTnLst>
+                    </p:cTn>
+                  </p:par>
+                  <p:par>
+                    <p:cTn id="16" fill="hold">
+                      <p:stCondLst>
+                        <p:cond delay="indefinite"/>
+                      </p:stCondLst>
+                      <p:childTnLst>
+                        <p:par>
+                          <p:cTn id="17" fill="hold">
+                            <p:stCondLst>
+                              <p:cond delay="0"/>
+                            </p:stCondLst>
+                            <p:childTnLst>
+                              <p:par>
+                                <p:cTn id="18" presetID="22" presetClass="entr" presetSubtype="8" fill="hold" nodeType="clickEffect">
+                                  <p:stCondLst>
+                                    <p:cond delay="0"/>
+                                  </p:stCondLst>
+                                  <p:childTnLst>
+                                    <p:set>
+                                      <p:cBhvr>
+                                        <p:cTn id="19" dur="1" fill="hold">
+                                          <p:stCondLst>
+                                            <p:cond delay="0"/>
+                                          </p:stCondLst>
+                                        </p:cTn>
+                                        <p:tgtEl>
+                                          <p:spTgt spid="4">
+                                            <p:txEl>
+                                              <p:pRg st="4" end="4"/>
+                                            </p:txEl>
+                                          </p:spTgt>
+                                        </p:tgtEl>
+                                        <p:attrNameLst>
+                                          <p:attrName>style.visibility</p:attrName>
+                                        </p:attrNameLst>
+                                      </p:cBhvr>
+                                      <p:to>
+                                        <p:strVal val="visible"/>
+                                      </p:to>
+                                    </p:set>
+                                    <p:animEffect transition="in" filter="wipe(left)">
+                                      <p:cBhvr>
+                                        <p:cTn id="20" dur="500"/>
+                                        <p:tgtEl>
+                                          <p:spTgt spid="4">
+                                            <p:txEl>
+                                              <p:pRg st="4" end="4"/>
+                                            </p:txEl>
+                                          </p:spTgt>
+                                        </p:tgtEl>
+                                      </p:cBhvr>
+                                    </p:animEffect>
+                                  </p:childTnLst>
+                                </p:cTn>
+                              </p:par>
+                            </p:childTnLst>
+                          </p:cTn>
+                        </p:par>
+                      </p:childTnLst>
+                    </p:cTn>
+                  </p:par>
+                  <p:par>
+                    <p:cTn id="21" fill="hold">
+                      <p:stCondLst>
+                        <p:cond delay="indefinite"/>
+                      </p:stCondLst>
+                      <p:childTnLst>
+                        <p:par>
+                          <p:cTn id="22" fill="hold">
+                            <p:stCondLst>
+                              <p:cond delay="0"/>
+                            </p:stCondLst>
+                            <p:childTnLst>
+                              <p:par>
+                                <p:cTn id="23" presetID="22" presetClass="entr" presetSubtype="8" fill="hold" nodeType="clickEffect">
+                                  <p:stCondLst>
+                                    <p:cond delay="0"/>
+                                  </p:stCondLst>
+                                  <p:childTnLst>
+                                    <p:set>
+                                      <p:cBhvr>
+                                        <p:cTn id="24" dur="1" fill="hold">
+                                          <p:stCondLst>
+                                            <p:cond delay="0"/>
+                                          </p:stCondLst>
+                                        </p:cTn>
+                                        <p:tgtEl>
+                                          <p:spTgt spid="4">
+                                            <p:txEl>
+                                              <p:pRg st="5" end="5"/>
+                                            </p:txEl>
+                                          </p:spTgt>
+                                        </p:tgtEl>
+                                        <p:attrNameLst>
+                                          <p:attrName>style.visibility</p:attrName>
+                                        </p:attrNameLst>
+                                      </p:cBhvr>
+                                      <p:to>
+                                        <p:strVal val="visible"/>
+                                      </p:to>
+                                    </p:set>
+                                    <p:animEffect transition="in" filter="wipe(left)">
+                                      <p:cBhvr>
+                                        <p:cTn id="25" dur="500"/>
+                                        <p:tgtEl>
+                                          <p:spTgt spid="4">
+                                            <p:txEl>
+                                              <p:pRg st="5" end="5"/>
+                                            </p:txEl>
+                                          </p:spTgt>
+                                        </p:tgtEl>
+                                      </p:cBhvr>
+                                    </p:animEffect>
+                                  </p:childTnLst>
+                                </p:cTn>
+                              </p:par>
+                            </p:childTnLst>
+                          </p:cTn>
+                        </p:par>
+                      </p:childTnLst>
+                    </p:cTn>
+                  </p:par>
+                </p:childTnLst>
+              </p:cTn>
+              <p:prevCondLst>
+                <p:cond evt="onPrev" delay="0">
+                  <p:tgtEl>
+                    <p:sldTgt/>
+                  </p:tgtEl>
+                </p:cond>
+              </p:prevCondLst>
+              <p:nextCondLst>
+                <p:cond evt="onNext" delay="0">
+                  <p:tgtEl>
+                    <p:sldTgt/>
+                  </p:tgtEl>
+                </p:cond>
+              </p:nextCondLst>
+            </p:seq>
+          </p:childTnLst>
+        </p:cTn>
+      </p:par>
+    </p:tnLst>
+  </p:timing>
 </p:sld>
 </file>
 
@@ -5313,7 +5621,7 @@
             </a:r>
             <a:r>
               <a:rPr lang="en-US" dirty="0" err="1"/>
-              <a:t>tuần</a:t>
+              <a:t>còn</a:t>
             </a:r>
             <a:r>
               <a:rPr lang="en-US" dirty="0"/>
@@ -5321,7 +5629,7 @@
             </a:r>
             <a:r>
               <a:rPr lang="en-US" dirty="0" err="1"/>
-              <a:t>này</a:t>
+              <a:t>lại</a:t>
             </a:r>
             <a:endParaRPr lang="en-US" dirty="0"/>
           </a:p>
@@ -5390,8 +5698,12 @@
           <a:lstStyle/>
           <a:p>
             <a:r>
+              <a:rPr lang="en-US" dirty="0"/>
+              <a:t>User A </a:t>
+            </a:r>
+            <a:r>
               <a:rPr lang="en-US" dirty="0" err="1"/>
-              <a:t>Các</a:t>
+              <a:t>gửi</a:t>
             </a:r>
             <a:r>
               <a:rPr lang="en-US" dirty="0"/>
@@ -5399,7 +5711,7 @@
             </a:r>
             <a:r>
               <a:rPr lang="en-US" dirty="0" err="1"/>
-              <a:t>biến</a:t>
+              <a:t>yêu</a:t>
             </a:r>
             <a:r>
               <a:rPr lang="en-US" dirty="0"/>
@@ -5407,7 +5719,7 @@
             </a:r>
             <a:r>
               <a:rPr lang="en-US" dirty="0" err="1"/>
-              <a:t>giao</a:t>
+              <a:t>cầu</a:t>
             </a:r>
             <a:r>
               <a:rPr lang="en-US" dirty="0"/>
@@ -5415,7 +5727,7 @@
             </a:r>
             <a:r>
               <a:rPr lang="en-US" dirty="0" err="1"/>
-              <a:t>tiếp</a:t>
+              <a:t>kết</a:t>
             </a:r>
             <a:r>
               <a:rPr lang="en-US" dirty="0"/>
@@ -5423,7 +5735,7 @@
             </a:r>
             <a:r>
               <a:rPr lang="en-US" dirty="0" err="1"/>
-              <a:t>khi</a:t>
+              <a:t>nối</a:t>
             </a:r>
             <a:r>
               <a:rPr lang="en-US" dirty="0"/>
@@ -5431,6 +5743,22 @@
             </a:r>
             <a:r>
               <a:rPr lang="en-US" dirty="0" err="1"/>
+              <a:t>tới</a:t>
+            </a:r>
+            <a:r>
+              <a:rPr lang="en-US" dirty="0"/>
+              <a:t> B </a:t>
+            </a:r>
+            <a:r>
+              <a:rPr lang="en-US" dirty="0" err="1"/>
+              <a:t>lên</a:t>
+            </a:r>
+            <a:r>
+              <a:rPr lang="en-US" dirty="0"/>
+              <a:t> server (</a:t>
+            </a:r>
+            <a:r>
+              <a:rPr lang="en-US" dirty="0" err="1"/>
               <a:t>yêu</a:t>
             </a:r>
             <a:r>
@@ -5447,7 +5775,81 @@
             </a:r>
             <a:r>
               <a:rPr lang="en-US" dirty="0" err="1"/>
-              <a:t>kết</a:t>
+              <a:t>mở</a:t>
+            </a:r>
+            <a:r>
+              <a:rPr lang="en-US" dirty="0"/>
+              <a:t> port, user B’s ID)</a:t>
+            </a:r>
+          </a:p>
+          <a:p>
+            <a:endParaRPr lang="en-US" dirty="0"/>
+          </a:p>
+          <a:p>
+            <a:r>
+              <a:rPr lang="en-US" sz="2400" dirty="0"/>
+              <a:t>Server </a:t>
+            </a:r>
+            <a:r>
+              <a:rPr lang="en-US" sz="2400" dirty="0" err="1"/>
+              <a:t>gửi</a:t>
+            </a:r>
+            <a:r>
+              <a:rPr lang="en-US" sz="2400" dirty="0"/>
+              <a:t> </a:t>
+            </a:r>
+            <a:r>
+              <a:rPr lang="en-US" sz="2400" dirty="0" err="1"/>
+              <a:t>yêu</a:t>
+            </a:r>
+            <a:r>
+              <a:rPr lang="en-US" sz="2400" dirty="0"/>
+              <a:t> </a:t>
+            </a:r>
+            <a:r>
+              <a:rPr lang="en-US" sz="2400" dirty="0" err="1"/>
+              <a:t>cầu</a:t>
+            </a:r>
+            <a:r>
+              <a:rPr lang="en-US" sz="2400" dirty="0"/>
+              <a:t> </a:t>
+            </a:r>
+            <a:r>
+              <a:rPr lang="en-US" sz="2400" dirty="0" err="1"/>
+              <a:t>tới</a:t>
+            </a:r>
+            <a:r>
+              <a:rPr lang="en-US" sz="2400" dirty="0"/>
+              <a:t> B. </a:t>
+            </a:r>
+          </a:p>
+          <a:p>
+            <a:endParaRPr lang="en-US" dirty="0"/>
+          </a:p>
+          <a:p>
+            <a:r>
+              <a:rPr lang="en-US" sz="2400" dirty="0"/>
+              <a:t>B </a:t>
+            </a:r>
+            <a:r>
+              <a:rPr lang="en-US" sz="2400" dirty="0" err="1"/>
+              <a:t>chấp</a:t>
+            </a:r>
+            <a:r>
+              <a:rPr lang="en-US" sz="2400" dirty="0"/>
+              <a:t> </a:t>
+            </a:r>
+            <a:r>
+              <a:rPr lang="en-US" sz="2400" dirty="0" err="1"/>
+              <a:t>nhận</a:t>
+            </a:r>
+            <a:r>
+              <a:rPr lang="en-US" dirty="0"/>
+              <a:t>, server </a:t>
+            </a:r>
+            <a:r>
+              <a:rPr lang="en-US" dirty="0" err="1"/>
+              <a:t>thiết</a:t>
             </a:r>
             <a:r>
               <a:rPr lang="en-US" dirty="0"/>
@@ -5455,229 +5857,29 @@
             </a:r>
             <a:r>
               <a:rPr lang="en-US" dirty="0" err="1"/>
+              <a:t>lập</a:t>
+            </a:r>
+            <a:r>
+              <a:rPr lang="en-US" dirty="0"/>
+              <a:t> </a:t>
+            </a:r>
+            <a:r>
+              <a:rPr lang="en-US" dirty="0" err="1"/>
+              <a:t>kết</a:t>
+            </a:r>
+            <a:r>
+              <a:rPr lang="en-US" dirty="0"/>
+              <a:t> </a:t>
+            </a:r>
+            <a:r>
+              <a:rPr lang="en-US" dirty="0" err="1"/>
               <a:t>nối</a:t>
             </a:r>
             <a:r>
               <a:rPr lang="en-US" dirty="0"/>
-              <a:t>:</a:t>
-            </a:r>
-          </a:p>
-          <a:p>
-            <a:pPr lvl="1"/>
-            <a:r>
-              <a:rPr lang="en-US" sz="2400" dirty="0"/>
-              <a:t>invite: </a:t>
-            </a:r>
-            <a:r>
-              <a:rPr lang="en-US" sz="2400" dirty="0" err="1"/>
-              <a:t>yêu</a:t>
-            </a:r>
-            <a:r>
-              <a:rPr lang="en-US" sz="2400" dirty="0"/>
-              <a:t> </a:t>
-            </a:r>
-            <a:r>
-              <a:rPr lang="en-US" sz="2400" dirty="0" err="1"/>
-              <a:t>cầu</a:t>
-            </a:r>
-            <a:r>
-              <a:rPr lang="en-US" sz="2400" dirty="0"/>
-              <a:t> </a:t>
-            </a:r>
-            <a:r>
-              <a:rPr lang="en-US" sz="2400" dirty="0" err="1"/>
-              <a:t>kết</a:t>
-            </a:r>
-            <a:r>
-              <a:rPr lang="en-US" sz="2400" dirty="0"/>
-              <a:t> </a:t>
-            </a:r>
-            <a:r>
-              <a:rPr lang="en-US" sz="2400" dirty="0" err="1"/>
-              <a:t>nối</a:t>
-            </a:r>
-            <a:r>
-              <a:rPr lang="en-US" sz="2400" dirty="0"/>
-              <a:t> </a:t>
-            </a:r>
-            <a:r>
-              <a:rPr lang="en-US" sz="2400" dirty="0" err="1"/>
-              <a:t>với</a:t>
-            </a:r>
-            <a:r>
-              <a:rPr lang="en-US" sz="2400" dirty="0"/>
-              <a:t> client </a:t>
-            </a:r>
-            <a:r>
-              <a:rPr lang="en-US" sz="2400" dirty="0" err="1"/>
-              <a:t>khác</a:t>
-            </a:r>
-            <a:r>
-              <a:rPr lang="en-US" sz="2400" dirty="0"/>
-              <a:t> </a:t>
-            </a:r>
-            <a:r>
-              <a:rPr lang="en-US" sz="2400" dirty="0" err="1"/>
-              <a:t>để</a:t>
-            </a:r>
-            <a:r>
-              <a:rPr lang="en-US" sz="2400" dirty="0"/>
-              <a:t> </a:t>
-            </a:r>
-            <a:r>
-              <a:rPr lang="en-US" sz="2400" dirty="0" err="1"/>
-              <a:t>thực</a:t>
-            </a:r>
-            <a:r>
-              <a:rPr lang="en-US" sz="2400" dirty="0"/>
-              <a:t> </a:t>
-            </a:r>
-            <a:r>
-              <a:rPr lang="en-US" sz="2400" dirty="0" err="1"/>
-              <a:t>hiện</a:t>
-            </a:r>
-            <a:r>
-              <a:rPr lang="en-US" sz="2400" dirty="0"/>
-              <a:t> </a:t>
-            </a:r>
-            <a:r>
-              <a:rPr lang="en-US" sz="2400" dirty="0" err="1"/>
-              <a:t>cuộc</a:t>
-            </a:r>
-            <a:r>
-              <a:rPr lang="en-US" sz="2400" dirty="0"/>
-              <a:t> </a:t>
-            </a:r>
-            <a:r>
-              <a:rPr lang="en-US" sz="2400" dirty="0" err="1"/>
-              <a:t>gọi</a:t>
-            </a:r>
-            <a:r>
-              <a:rPr lang="en-US" sz="2400" dirty="0"/>
-              <a:t>.</a:t>
-            </a:r>
-          </a:p>
-          <a:p>
-            <a:pPr lvl="1"/>
-            <a:r>
-              <a:rPr lang="en-US" sz="2400" dirty="0" err="1"/>
-              <a:t>acceptACall</a:t>
-            </a:r>
-            <a:r>
-              <a:rPr lang="en-US" sz="2400" dirty="0"/>
-              <a:t>: </a:t>
-            </a:r>
-            <a:r>
-              <a:rPr lang="en-US" sz="2400" dirty="0" err="1"/>
-              <a:t>cho</a:t>
-            </a:r>
-            <a:r>
-              <a:rPr lang="en-US" sz="2400" dirty="0"/>
-              <a:t> </a:t>
-            </a:r>
-            <a:r>
-              <a:rPr lang="en-US" sz="2400" dirty="0" err="1"/>
-              <a:t>biết</a:t>
-            </a:r>
-            <a:r>
-              <a:rPr lang="en-US" sz="2400" dirty="0"/>
-              <a:t> </a:t>
-            </a:r>
-            <a:r>
-              <a:rPr lang="en-US" sz="2400" dirty="0" err="1"/>
-              <a:t>đồng</a:t>
-            </a:r>
-            <a:r>
-              <a:rPr lang="en-US" sz="2400" dirty="0"/>
-              <a:t> ý </a:t>
-            </a:r>
-            <a:r>
-              <a:rPr lang="en-US" sz="2400" dirty="0" err="1"/>
-              <a:t>nhận</a:t>
-            </a:r>
-            <a:r>
-              <a:rPr lang="en-US" sz="2400" dirty="0"/>
-              <a:t> </a:t>
-            </a:r>
-            <a:r>
-              <a:rPr lang="en-US" sz="2400" dirty="0" err="1"/>
-              <a:t>cuộc</a:t>
-            </a:r>
-            <a:r>
-              <a:rPr lang="en-US" sz="2400" dirty="0"/>
-              <a:t> </a:t>
-            </a:r>
-            <a:r>
-              <a:rPr lang="en-US" sz="2400" dirty="0" err="1"/>
-              <a:t>gọi</a:t>
-            </a:r>
-            <a:r>
-              <a:rPr lang="en-US" sz="2400" dirty="0"/>
-              <a:t>.</a:t>
-            </a:r>
-          </a:p>
-          <a:p>
-            <a:pPr lvl="1"/>
-            <a:r>
-              <a:rPr lang="en-US" sz="2400" dirty="0"/>
-              <a:t>calling: </a:t>
-            </a:r>
-            <a:r>
-              <a:rPr lang="en-US" sz="2400" dirty="0" err="1"/>
-              <a:t>cho</a:t>
-            </a:r>
-            <a:r>
-              <a:rPr lang="en-US" sz="2400" dirty="0"/>
-              <a:t> </a:t>
-            </a:r>
-            <a:r>
-              <a:rPr lang="en-US" sz="2400" dirty="0" err="1"/>
-              <a:t>biết</a:t>
-            </a:r>
-            <a:r>
-              <a:rPr lang="en-US" sz="2400" dirty="0"/>
-              <a:t> </a:t>
-            </a:r>
-            <a:r>
-              <a:rPr lang="en-US" sz="2400" dirty="0" err="1"/>
-              <a:t>đang</a:t>
-            </a:r>
-            <a:r>
-              <a:rPr lang="en-US" sz="2400" dirty="0"/>
-              <a:t> </a:t>
-            </a:r>
-            <a:r>
-              <a:rPr lang="en-US" sz="2400" dirty="0" err="1"/>
-              <a:t>thực</a:t>
-            </a:r>
-            <a:r>
-              <a:rPr lang="en-US" sz="2400" dirty="0"/>
-              <a:t> </a:t>
-            </a:r>
-            <a:r>
-              <a:rPr lang="en-US" sz="2400" dirty="0" err="1"/>
-              <a:t>hiện</a:t>
-            </a:r>
-            <a:r>
-              <a:rPr lang="en-US" sz="2400" dirty="0"/>
-              <a:t> </a:t>
-            </a:r>
-            <a:r>
-              <a:rPr lang="en-US" sz="2400" dirty="0" err="1"/>
-              <a:t>cuộc</a:t>
-            </a:r>
-            <a:r>
-              <a:rPr lang="en-US" sz="2400" dirty="0"/>
-              <a:t> </a:t>
-            </a:r>
-            <a:r>
-              <a:rPr lang="en-US" sz="2400" dirty="0" err="1"/>
-              <a:t>gọi</a:t>
-            </a:r>
-            <a:r>
-              <a:rPr lang="en-US" sz="2400" dirty="0"/>
-              <a:t>.</a:t>
-            </a:r>
+              <a:t> A - B</a:t>
+            </a:r>
+            <a:endParaRPr lang="en-US" sz="2400" dirty="0"/>
           </a:p>
         </p:txBody>
       </p:sp>
